--- a/src/rpro_ppt3.pptx
+++ b/src/rpro_ppt3.pptx
@@ -203,7 +203,7 @@
             <a:fld id="{FDD434B5-3884-491B-9701-01188EF54E6D}" type="datetimeFigureOut">
               <a:rPr lang="he-IL" smtClean="0"/>
               <a:pPr/>
-              <a:t>י"ב/אלול/תשע"ז</a:t>
+              <a:t>י"א/אדר/תשע"ח</a:t>
             </a:fld>
             <a:endParaRPr lang="he-IL"/>
           </a:p>
@@ -2107,7 +2107,7 @@
             <a:fld id="{48A87A34-81AB-432B-8DAE-1953F412C126}" type="datetimeFigureOut">
               <a:rPr lang="en-US" smtClean="0"/>
               <a:pPr/>
-              <a:t>9/3/2017</a:t>
+              <a:t>2/26/2018</a:t>
             </a:fld>
             <a:endParaRPr lang="en-US" dirty="0"/>
           </a:p>
@@ -2159,7 +2159,7 @@
     </p:spTree>
     <p:extLst>
       <p:ext uri="{BB962C8B-B14F-4D97-AF65-F5344CB8AC3E}">
-        <p14:creationId xmlns="" xmlns:p14="http://schemas.microsoft.com/office/powerpoint/2010/main" val="2379700270"/>
+        <p14:creationId xmlns:p14="http://schemas.microsoft.com/office/powerpoint/2010/main" xmlns="" val="2379700270"/>
       </p:ext>
     </p:extLst>
   </p:cSld>
@@ -2360,7 +2360,7 @@
             <a:fld id="{48A87A34-81AB-432B-8DAE-1953F412C126}" type="datetimeFigureOut">
               <a:rPr lang="en-US" smtClean="0"/>
               <a:pPr/>
-              <a:t>9/3/2017</a:t>
+              <a:t>2/26/2018</a:t>
             </a:fld>
             <a:endParaRPr lang="en-US" dirty="0"/>
           </a:p>
@@ -2412,7 +2412,7 @@
     </p:spTree>
     <p:extLst>
       <p:ext uri="{BB962C8B-B14F-4D97-AF65-F5344CB8AC3E}">
-        <p14:creationId xmlns="" xmlns:p14="http://schemas.microsoft.com/office/powerpoint/2010/main" val="1804991245"/>
+        <p14:creationId xmlns:p14="http://schemas.microsoft.com/office/powerpoint/2010/main" xmlns="" val="1804991245"/>
       </p:ext>
     </p:extLst>
   </p:cSld>
@@ -2676,7 +2676,7 @@
             <a:fld id="{48A87A34-81AB-432B-8DAE-1953F412C126}" type="datetimeFigureOut">
               <a:rPr lang="en-US" smtClean="0"/>
               <a:pPr/>
-              <a:t>9/3/2017</a:t>
+              <a:t>2/26/2018</a:t>
             </a:fld>
             <a:endParaRPr lang="en-US" dirty="0"/>
           </a:p>
@@ -2818,7 +2818,7 @@
     </p:spTree>
     <p:extLst>
       <p:ext uri="{BB962C8B-B14F-4D97-AF65-F5344CB8AC3E}">
-        <p14:creationId xmlns="" xmlns:p14="http://schemas.microsoft.com/office/powerpoint/2010/main" val="1473712570"/>
+        <p14:creationId xmlns:p14="http://schemas.microsoft.com/office/powerpoint/2010/main" xmlns="" val="1473712570"/>
       </p:ext>
     </p:extLst>
   </p:cSld>
@@ -3019,7 +3019,7 @@
             <a:fld id="{48A87A34-81AB-432B-8DAE-1953F412C126}" type="datetimeFigureOut">
               <a:rPr lang="en-US" smtClean="0"/>
               <a:pPr/>
-              <a:t>9/3/2017</a:t>
+              <a:t>2/26/2018</a:t>
             </a:fld>
             <a:endParaRPr lang="en-US" dirty="0"/>
           </a:p>
@@ -3071,7 +3071,7 @@
     </p:spTree>
     <p:extLst>
       <p:ext uri="{BB962C8B-B14F-4D97-AF65-F5344CB8AC3E}">
-        <p14:creationId xmlns="" xmlns:p14="http://schemas.microsoft.com/office/powerpoint/2010/main" val="2530574234"/>
+        <p14:creationId xmlns:p14="http://schemas.microsoft.com/office/powerpoint/2010/main" xmlns="" val="2530574234"/>
       </p:ext>
     </p:extLst>
   </p:cSld>
@@ -3335,7 +3335,7 @@
             <a:fld id="{48A87A34-81AB-432B-8DAE-1953F412C126}" type="datetimeFigureOut">
               <a:rPr lang="en-US" smtClean="0"/>
               <a:pPr/>
-              <a:t>9/3/2017</a:t>
+              <a:t>2/26/2018</a:t>
             </a:fld>
             <a:endParaRPr lang="en-US" dirty="0"/>
           </a:p>
@@ -3469,7 +3469,7 @@
     </p:spTree>
     <p:extLst>
       <p:ext uri="{BB962C8B-B14F-4D97-AF65-F5344CB8AC3E}">
-        <p14:creationId xmlns="" xmlns:p14="http://schemas.microsoft.com/office/powerpoint/2010/main" val="1004790222"/>
+        <p14:creationId xmlns:p14="http://schemas.microsoft.com/office/powerpoint/2010/main" xmlns="" val="1004790222"/>
       </p:ext>
     </p:extLst>
   </p:cSld>
@@ -3730,7 +3730,7 @@
             <a:fld id="{48A87A34-81AB-432B-8DAE-1953F412C126}" type="datetimeFigureOut">
               <a:rPr lang="en-US" smtClean="0"/>
               <a:pPr/>
-              <a:t>9/3/2017</a:t>
+              <a:t>2/26/2018</a:t>
             </a:fld>
             <a:endParaRPr lang="en-US" dirty="0"/>
           </a:p>
@@ -3782,7 +3782,7 @@
     </p:spTree>
     <p:extLst>
       <p:ext uri="{BB962C8B-B14F-4D97-AF65-F5344CB8AC3E}">
-        <p14:creationId xmlns="" xmlns:p14="http://schemas.microsoft.com/office/powerpoint/2010/main" val="3328784466"/>
+        <p14:creationId xmlns:p14="http://schemas.microsoft.com/office/powerpoint/2010/main" xmlns="" val="3328784466"/>
       </p:ext>
     </p:extLst>
   </p:cSld>
@@ -3902,7 +3902,7 @@
             <a:fld id="{48A87A34-81AB-432B-8DAE-1953F412C126}" type="datetimeFigureOut">
               <a:rPr lang="en-US" smtClean="0"/>
               <a:pPr/>
-              <a:t>9/3/2017</a:t>
+              <a:t>2/26/2018</a:t>
             </a:fld>
             <a:endParaRPr lang="en-US" dirty="0"/>
           </a:p>
@@ -3954,7 +3954,7 @@
     </p:spTree>
     <p:extLst>
       <p:ext uri="{BB962C8B-B14F-4D97-AF65-F5344CB8AC3E}">
-        <p14:creationId xmlns="" xmlns:p14="http://schemas.microsoft.com/office/powerpoint/2010/main" val="1447070425"/>
+        <p14:creationId xmlns:p14="http://schemas.microsoft.com/office/powerpoint/2010/main" xmlns="" val="1447070425"/>
       </p:ext>
     </p:extLst>
   </p:cSld>
@@ -4084,7 +4084,7 @@
             <a:fld id="{48A87A34-81AB-432B-8DAE-1953F412C126}" type="datetimeFigureOut">
               <a:rPr lang="en-US" smtClean="0"/>
               <a:pPr/>
-              <a:t>9/3/2017</a:t>
+              <a:t>2/26/2018</a:t>
             </a:fld>
             <a:endParaRPr lang="en-US" dirty="0"/>
           </a:p>
@@ -4136,7 +4136,7 @@
     </p:spTree>
     <p:extLst>
       <p:ext uri="{BB962C8B-B14F-4D97-AF65-F5344CB8AC3E}">
-        <p14:creationId xmlns="" xmlns:p14="http://schemas.microsoft.com/office/powerpoint/2010/main" val="3648480235"/>
+        <p14:creationId xmlns:p14="http://schemas.microsoft.com/office/powerpoint/2010/main" xmlns="" val="3648480235"/>
       </p:ext>
     </p:extLst>
   </p:cSld>
@@ -4262,7 +4262,7 @@
             <a:fld id="{48A87A34-81AB-432B-8DAE-1953F412C126}" type="datetimeFigureOut">
               <a:rPr lang="en-US" smtClean="0"/>
               <a:pPr/>
-              <a:t>9/3/2017</a:t>
+              <a:t>2/26/2018</a:t>
             </a:fld>
             <a:endParaRPr lang="en-US" dirty="0"/>
           </a:p>
@@ -4314,7 +4314,7 @@
     </p:spTree>
     <p:extLst>
       <p:ext uri="{BB962C8B-B14F-4D97-AF65-F5344CB8AC3E}">
-        <p14:creationId xmlns="" xmlns:p14="http://schemas.microsoft.com/office/powerpoint/2010/main" val="2649633687"/>
+        <p14:creationId xmlns:p14="http://schemas.microsoft.com/office/powerpoint/2010/main" xmlns="" val="2649633687"/>
       </p:ext>
     </p:extLst>
   </p:cSld>
@@ -4511,7 +4511,7 @@
             <a:fld id="{48A87A34-81AB-432B-8DAE-1953F412C126}" type="datetimeFigureOut">
               <a:rPr lang="en-US" smtClean="0"/>
               <a:pPr/>
-              <a:t>9/3/2017</a:t>
+              <a:t>2/26/2018</a:t>
             </a:fld>
             <a:endParaRPr lang="en-US" dirty="0"/>
           </a:p>
@@ -4563,7 +4563,7 @@
     </p:spTree>
     <p:extLst>
       <p:ext uri="{BB962C8B-B14F-4D97-AF65-F5344CB8AC3E}">
-        <p14:creationId xmlns="" xmlns:p14="http://schemas.microsoft.com/office/powerpoint/2010/main" val="572893903"/>
+        <p14:creationId xmlns:p14="http://schemas.microsoft.com/office/powerpoint/2010/main" xmlns="" val="572893903"/>
       </p:ext>
     </p:extLst>
   </p:cSld>
@@ -4745,7 +4745,7 @@
             <a:fld id="{48A87A34-81AB-432B-8DAE-1953F412C126}" type="datetimeFigureOut">
               <a:rPr lang="en-US" smtClean="0"/>
               <a:pPr/>
-              <a:t>9/3/2017</a:t>
+              <a:t>2/26/2018</a:t>
             </a:fld>
             <a:endParaRPr lang="en-US" dirty="0"/>
           </a:p>
@@ -4797,7 +4797,7 @@
     </p:spTree>
     <p:extLst>
       <p:ext uri="{BB962C8B-B14F-4D97-AF65-F5344CB8AC3E}">
-        <p14:creationId xmlns="" xmlns:p14="http://schemas.microsoft.com/office/powerpoint/2010/main" val="3918475607"/>
+        <p14:creationId xmlns:p14="http://schemas.microsoft.com/office/powerpoint/2010/main" xmlns="" val="3918475607"/>
       </p:ext>
     </p:extLst>
   </p:cSld>
@@ -5121,7 +5121,7 @@
             <a:fld id="{48A87A34-81AB-432B-8DAE-1953F412C126}" type="datetimeFigureOut">
               <a:rPr lang="en-US" smtClean="0"/>
               <a:pPr/>
-              <a:t>9/3/2017</a:t>
+              <a:t>2/26/2018</a:t>
             </a:fld>
             <a:endParaRPr lang="en-US" dirty="0"/>
           </a:p>
@@ -5173,7 +5173,7 @@
     </p:spTree>
     <p:extLst>
       <p:ext uri="{BB962C8B-B14F-4D97-AF65-F5344CB8AC3E}">
-        <p14:creationId xmlns="" xmlns:p14="http://schemas.microsoft.com/office/powerpoint/2010/main" val="70569158"/>
+        <p14:creationId xmlns:p14="http://schemas.microsoft.com/office/powerpoint/2010/main" xmlns="" val="70569158"/>
       </p:ext>
     </p:extLst>
   </p:cSld>
@@ -5246,7 +5246,7 @@
             <a:fld id="{48A87A34-81AB-432B-8DAE-1953F412C126}" type="datetimeFigureOut">
               <a:rPr lang="en-US" smtClean="0"/>
               <a:pPr/>
-              <a:t>9/3/2017</a:t>
+              <a:t>2/26/2018</a:t>
             </a:fld>
             <a:endParaRPr lang="en-US" dirty="0"/>
           </a:p>
@@ -5298,7 +5298,7 @@
     </p:spTree>
     <p:extLst>
       <p:ext uri="{BB962C8B-B14F-4D97-AF65-F5344CB8AC3E}">
-        <p14:creationId xmlns="" xmlns:p14="http://schemas.microsoft.com/office/powerpoint/2010/main" val="3956773614"/>
+        <p14:creationId xmlns:p14="http://schemas.microsoft.com/office/powerpoint/2010/main" xmlns="" val="3956773614"/>
       </p:ext>
     </p:extLst>
   </p:cSld>
@@ -5343,7 +5343,7 @@
             <a:fld id="{48A87A34-81AB-432B-8DAE-1953F412C126}" type="datetimeFigureOut">
               <a:rPr lang="en-US" smtClean="0"/>
               <a:pPr/>
-              <a:t>9/3/2017</a:t>
+              <a:t>2/26/2018</a:t>
             </a:fld>
             <a:endParaRPr lang="en-US" dirty="0"/>
           </a:p>
@@ -5395,7 +5395,7 @@
     </p:spTree>
     <p:extLst>
       <p:ext uri="{BB962C8B-B14F-4D97-AF65-F5344CB8AC3E}">
-        <p14:creationId xmlns="" xmlns:p14="http://schemas.microsoft.com/office/powerpoint/2010/main" val="843387325"/>
+        <p14:creationId xmlns:p14="http://schemas.microsoft.com/office/powerpoint/2010/main" xmlns="" val="843387325"/>
       </p:ext>
     </p:extLst>
   </p:cSld>
@@ -5600,7 +5600,7 @@
             <a:fld id="{48A87A34-81AB-432B-8DAE-1953F412C126}" type="datetimeFigureOut">
               <a:rPr lang="en-US" smtClean="0"/>
               <a:pPr/>
-              <a:t>9/3/2017</a:t>
+              <a:t>2/26/2018</a:t>
             </a:fld>
             <a:endParaRPr lang="en-US" dirty="0"/>
           </a:p>
@@ -5652,7 +5652,7 @@
     </p:spTree>
     <p:extLst>
       <p:ext uri="{BB962C8B-B14F-4D97-AF65-F5344CB8AC3E}">
-        <p14:creationId xmlns="" xmlns:p14="http://schemas.microsoft.com/office/powerpoint/2010/main" val="614752468"/>
+        <p14:creationId xmlns:p14="http://schemas.microsoft.com/office/powerpoint/2010/main" xmlns="" val="614752468"/>
       </p:ext>
     </p:extLst>
   </p:cSld>
@@ -5865,7 +5865,7 @@
             <a:fld id="{48A87A34-81AB-432B-8DAE-1953F412C126}" type="datetimeFigureOut">
               <a:rPr lang="en-US" smtClean="0"/>
               <a:pPr/>
-              <a:t>9/3/2017</a:t>
+              <a:t>2/26/2018</a:t>
             </a:fld>
             <a:endParaRPr lang="en-US" dirty="0"/>
           </a:p>
@@ -5917,7 +5917,7 @@
     </p:spTree>
     <p:extLst>
       <p:ext uri="{BB962C8B-B14F-4D97-AF65-F5344CB8AC3E}">
-        <p14:creationId xmlns="" xmlns:p14="http://schemas.microsoft.com/office/powerpoint/2010/main" val="2525773852"/>
+        <p14:creationId xmlns:p14="http://schemas.microsoft.com/office/powerpoint/2010/main" xmlns="" val="2525773852"/>
       </p:ext>
     </p:extLst>
   </p:cSld>
@@ -6610,7 +6610,7 @@
             <a:fld id="{48A87A34-81AB-432B-8DAE-1953F412C126}" type="datetimeFigureOut">
               <a:rPr lang="en-US" smtClean="0"/>
               <a:pPr/>
-              <a:t>9/3/2017</a:t>
+              <a:t>2/26/2018</a:t>
             </a:fld>
             <a:endParaRPr lang="en-US" dirty="0"/>
           </a:p>
@@ -6696,7 +6696,7 @@
     </p:spTree>
     <p:extLst>
       <p:ext uri="{BB962C8B-B14F-4D97-AF65-F5344CB8AC3E}">
-        <p14:creationId xmlns="" xmlns:p14="http://schemas.microsoft.com/office/powerpoint/2010/main" val="2849168193"/>
+        <p14:creationId xmlns:p14="http://schemas.microsoft.com/office/powerpoint/2010/main" xmlns="" val="2849168193"/>
       </p:ext>
     </p:extLst>
   </p:cSld>
@@ -7183,7 +7183,7 @@
     </p:spTree>
     <p:extLst>
       <p:ext uri="{BB962C8B-B14F-4D97-AF65-F5344CB8AC3E}">
-        <p14:creationId xmlns="" xmlns:p14="http://schemas.microsoft.com/office/powerpoint/2010/main" val="1597654807"/>
+        <p14:creationId xmlns:p14="http://schemas.microsoft.com/office/powerpoint/2010/main" xmlns="" val="1597654807"/>
       </p:ext>
     </p:extLst>
   </p:cSld>
@@ -7286,18 +7286,7 @@
                   </a:prstClr>
                 </a:solidFill>
               </a:rPr>
-              <a:t> בניית דגם </a:t>
-            </a:r>
-            <a:r>
-              <a:rPr lang="he-IL" sz="4000" dirty="0" smtClean="0">
-                <a:solidFill>
-                  <a:prstClr val="black">
-                    <a:lumMod val="75000"/>
-                    <a:lumOff val="25000"/>
-                  </a:prstClr>
-                </a:solidFill>
-              </a:rPr>
-              <a:t>שבשבת </a:t>
+              <a:t> בניית דגם שבשבת </a:t>
             </a:r>
           </a:p>
           <a:p>
@@ -7321,18 +7310,7 @@
                   </a:prstClr>
                 </a:solidFill>
               </a:rPr>
-              <a:t>חוברת </a:t>
-            </a:r>
-            <a:r>
-              <a:rPr lang="he-IL" sz="4000" dirty="0" smtClean="0">
-                <a:solidFill>
-                  <a:prstClr val="black">
-                    <a:lumMod val="75000"/>
-                    <a:lumOff val="25000"/>
-                  </a:prstClr>
-                </a:solidFill>
-              </a:rPr>
-              <a:t>ההוראות שבערכה </a:t>
+              <a:t>חוברת ההוראות שבערכה </a:t>
             </a:r>
           </a:p>
           <a:p>
@@ -7356,18 +7334,7 @@
                   </a:prstClr>
                 </a:solidFill>
               </a:rPr>
-              <a:t> עמוד </a:t>
-            </a:r>
-            <a:r>
-              <a:rPr lang="he-IL" sz="4000" dirty="0" smtClean="0">
-                <a:solidFill>
-                  <a:prstClr val="black">
-                    <a:lumMod val="75000"/>
-                    <a:lumOff val="25000"/>
-                  </a:prstClr>
-                </a:solidFill>
-              </a:rPr>
-              <a:t>8</a:t>
+              <a:t> עמוד 8</a:t>
             </a:r>
             <a:endParaRPr lang="en-US" sz="4000" dirty="0" smtClean="0">
               <a:solidFill>
@@ -7445,7 +7412,7 @@
     </p:spTree>
     <p:extLst>
       <p:ext uri="{BB962C8B-B14F-4D97-AF65-F5344CB8AC3E}">
-        <p14:creationId xmlns="" xmlns:p14="http://schemas.microsoft.com/office/powerpoint/2010/main" val="2508929371"/>
+        <p14:creationId xmlns:p14="http://schemas.microsoft.com/office/powerpoint/2010/main" xmlns="" val="2508929371"/>
       </p:ext>
     </p:extLst>
   </p:cSld>
@@ -7573,7 +7540,7 @@
     </p:spTree>
     <p:extLst>
       <p:ext uri="{BB962C8B-B14F-4D97-AF65-F5344CB8AC3E}">
-        <p14:creationId xmlns:p14="http://schemas.microsoft.com/office/powerpoint/2010/main" xmlns="" val="2508929371"/>
+        <p14:creationId xmlns="" xmlns:p14="http://schemas.microsoft.com/office/powerpoint/2010/main" val="2508929371"/>
       </p:ext>
     </p:extLst>
   </p:cSld>
@@ -7657,11 +7624,7 @@
           <a:p>
             <a:r>
               <a:rPr lang="he-IL" sz="4000" dirty="0" smtClean="0"/>
-              <a:t> חזרה </a:t>
-            </a:r>
-            <a:r>
-              <a:rPr lang="he-IL" sz="4000" dirty="0" smtClean="0"/>
-              <a:t>ותזכורת</a:t>
+              <a:t> חזרה ותזכורת</a:t>
             </a:r>
           </a:p>
           <a:p>
@@ -7695,11 +7658,7 @@
           <a:p>
             <a:r>
               <a:rPr lang="he-IL" sz="4000" dirty="0" smtClean="0"/>
-              <a:t>בואו </a:t>
-            </a:r>
-            <a:r>
-              <a:rPr lang="he-IL" sz="4000" dirty="0" smtClean="0"/>
-              <a:t>נבנה רובוט!</a:t>
+              <a:t>בואו נבנה רובוט!</a:t>
             </a:r>
           </a:p>
           <a:p>
@@ -7719,7 +7678,7 @@
     </p:spTree>
     <p:extLst>
       <p:ext uri="{BB962C8B-B14F-4D97-AF65-F5344CB8AC3E}">
-        <p14:creationId xmlns="" xmlns:p14="http://schemas.microsoft.com/office/powerpoint/2010/main" val="2508929371"/>
+        <p14:creationId xmlns:p14="http://schemas.microsoft.com/office/powerpoint/2010/main" xmlns="" val="2508929371"/>
       </p:ext>
     </p:extLst>
   </p:cSld>
@@ -7803,13 +7762,8 @@
           <a:p>
             <a:r>
               <a:rPr lang="he-IL" sz="4000" dirty="0" smtClean="0"/>
-              <a:t> מבוא </a:t>
-            </a:r>
-            <a:r>
-              <a:rPr lang="he-IL" sz="4000" dirty="0" smtClean="0"/>
-              <a:t>לאלגוריתמיקה</a:t>
-            </a:r>
-            <a:endParaRPr lang="he-IL" sz="4000" dirty="0" smtClean="0"/>
+              <a:t> מבוא לאלגוריתמיקה</a:t>
+            </a:r>
           </a:p>
           <a:p>
             <a:r>
@@ -7827,7 +7781,7 @@
     </p:spTree>
     <p:extLst>
       <p:ext uri="{BB962C8B-B14F-4D97-AF65-F5344CB8AC3E}">
-        <p14:creationId xmlns="" xmlns:p14="http://schemas.microsoft.com/office/powerpoint/2010/main" val="2508929371"/>
+        <p14:creationId xmlns:p14="http://schemas.microsoft.com/office/powerpoint/2010/main" xmlns="" val="2508929371"/>
       </p:ext>
     </p:extLst>
   </p:cSld>
@@ -7962,7 +7916,7 @@
           <a:blip r:embed="rId3" cstate="print">
             <a:extLst>
               <a:ext uri="{28A0092B-C50C-407E-A947-70E740481C1C}">
-                <a14:useLocalDpi xmlns="" xmlns:a14="http://schemas.microsoft.com/office/drawing/2010/main" val="0"/>
+                <a14:useLocalDpi xmlns:a14="http://schemas.microsoft.com/office/drawing/2010/main" xmlns="" val="0"/>
               </a:ext>
             </a:extLst>
           </a:blip>
@@ -8199,7 +8153,7 @@
     </p:spTree>
     <p:extLst>
       <p:ext uri="{BB962C8B-B14F-4D97-AF65-F5344CB8AC3E}">
-        <p14:creationId xmlns:p14="http://schemas.microsoft.com/office/powerpoint/2010/main" xmlns="" val="2508929371"/>
+        <p14:creationId xmlns="" xmlns:p14="http://schemas.microsoft.com/office/powerpoint/2010/main" val="2508929371"/>
       </p:ext>
     </p:extLst>
   </p:cSld>
@@ -8766,7 +8720,7 @@
     </p:spTree>
     <p:extLst>
       <p:ext uri="{BB962C8B-B14F-4D97-AF65-F5344CB8AC3E}">
-        <p14:creationId xmlns:p14="http://schemas.microsoft.com/office/powerpoint/2010/main" xmlns="" val="2508929371"/>
+        <p14:creationId xmlns="" xmlns:p14="http://schemas.microsoft.com/office/powerpoint/2010/main" val="2508929371"/>
       </p:ext>
     </p:extLst>
   </p:cSld>
@@ -8868,7 +8822,7 @@
           <a:blip r:embed="rId3" cstate="print">
             <a:extLst>
               <a:ext uri="{28A0092B-C50C-407E-A947-70E740481C1C}">
-                <a14:useLocalDpi xmlns:a14="http://schemas.microsoft.com/office/drawing/2010/main" xmlns="" val="0"/>
+                <a14:useLocalDpi xmlns="" xmlns:a14="http://schemas.microsoft.com/office/drawing/2010/main" val="0"/>
               </a:ext>
             </a:extLst>
           </a:blip>
@@ -8891,14 +8845,14 @@
           </a:ln>
           <a:extLst>
             <a:ext uri="{909E8E84-426E-40DD-AFC4-6F175D3DCCD1}">
-              <a14:hiddenFill xmlns:a14="http://schemas.microsoft.com/office/drawing/2010/main" xmlns="">
+              <a14:hiddenFill xmlns="" xmlns:a14="http://schemas.microsoft.com/office/drawing/2010/main">
                 <a:solidFill>
                   <a:srgbClr val="FFFFFF"/>
                 </a:solidFill>
               </a14:hiddenFill>
             </a:ext>
             <a:ext uri="{91240B29-F687-4F45-9708-019B960494DF}">
-              <a14:hiddenLine xmlns:a14="http://schemas.microsoft.com/office/drawing/2010/main" xmlns="" w="9525">
+              <a14:hiddenLine xmlns="" xmlns:a14="http://schemas.microsoft.com/office/drawing/2010/main" w="9525">
                 <a:solidFill>
                   <a:srgbClr val="000000"/>
                 </a:solidFill>
@@ -8913,7 +8867,7 @@
     </p:spTree>
     <p:extLst>
       <p:ext uri="{BB962C8B-B14F-4D97-AF65-F5344CB8AC3E}">
-        <p14:creationId xmlns="" xmlns:p14="http://schemas.microsoft.com/office/powerpoint/2010/main" val="2508929371"/>
+        <p14:creationId xmlns:p14="http://schemas.microsoft.com/office/powerpoint/2010/main" xmlns="" val="2508929371"/>
       </p:ext>
     </p:extLst>
   </p:cSld>
@@ -9036,7 +8990,7 @@
     </p:spTree>
     <p:extLst>
       <p:ext uri="{BB962C8B-B14F-4D97-AF65-F5344CB8AC3E}">
-        <p14:creationId xmlns="" xmlns:p14="http://schemas.microsoft.com/office/powerpoint/2010/main" val="2508929371"/>
+        <p14:creationId xmlns:p14="http://schemas.microsoft.com/office/powerpoint/2010/main" xmlns="" val="2508929371"/>
       </p:ext>
     </p:extLst>
   </p:cSld>
@@ -9142,9 +9096,18 @@
                     <a:lumOff val="25000"/>
                   </a:prstClr>
                 </a:solidFill>
+                <a:hlinkClick r:id="rId3"/>
               </a:rPr>
               <a:t>חוברת עבודה עצמית</a:t>
             </a:r>
+            <a:endParaRPr lang="he-IL" sz="4000" dirty="0" smtClean="0">
+              <a:solidFill>
+                <a:prstClr val="black">
+                  <a:lumMod val="75000"/>
+                  <a:lumOff val="25000"/>
+                </a:prstClr>
+              </a:solidFill>
+            </a:endParaRPr>
           </a:p>
           <a:p>
             <a:pPr marL="342900" indent="-342900" algn="r" rtl="1">
@@ -9169,30 +9132,10 @@
           </a:p>
         </p:txBody>
       </p:sp>
-      <p:graphicFrame>
-        <p:nvGraphicFramePr>
-          <p:cNvPr id="8" name="Object 7"/>
-          <p:cNvGraphicFramePr>
-            <a:graphicFrameLocks noChangeAspect="1"/>
-          </p:cNvGraphicFramePr>
-          <p:nvPr/>
-        </p:nvGraphicFramePr>
-        <p:xfrm>
-          <a:off x="4475747" y="3041650"/>
-          <a:ext cx="2077453" cy="1752851"/>
-        </p:xfrm>
-        <a:graphic>
-          <a:graphicData uri="http://schemas.openxmlformats.org/presentationml/2006/ole">
-            <p:oleObj spid="_x0000_s2053" name="Document" showAsIcon="1" r:id="rId4" imgW="914400" imgH="771480" progId="Word.Document.12">
-              <p:embed/>
-            </p:oleObj>
-          </a:graphicData>
-        </a:graphic>
-      </p:graphicFrame>
     </p:spTree>
     <p:extLst>
       <p:ext uri="{BB962C8B-B14F-4D97-AF65-F5344CB8AC3E}">
-        <p14:creationId xmlns="" xmlns:p14="http://schemas.microsoft.com/office/powerpoint/2010/main" val="2508929371"/>
+        <p14:creationId xmlns:p14="http://schemas.microsoft.com/office/powerpoint/2010/main" xmlns="" val="2508929371"/>
       </p:ext>
     </p:extLst>
   </p:cSld>
@@ -9246,11 +9189,7 @@
             <a:pPr algn="r"/>
             <a:r>
               <a:rPr lang="he-IL" sz="4400" b="1" dirty="0" smtClean="0"/>
-              <a:t>בואו נבנה רובוט</a:t>
-            </a:r>
-            <a:r>
-              <a:rPr lang="he-IL" sz="4400" b="1" dirty="0" smtClean="0"/>
-              <a:t>!</a:t>
+              <a:t>בואו נבנה רובוט!</a:t>
             </a:r>
             <a:endParaRPr lang="he-IL" sz="4400" b="1" dirty="0"/>
           </a:p>
@@ -9413,18 +9352,7 @@
                   </a:prstClr>
                 </a:solidFill>
               </a:rPr>
-              <a:t> 3 </a:t>
-            </a:r>
-            <a:r>
-              <a:rPr lang="he-IL" sz="4000" dirty="0" smtClean="0">
-                <a:solidFill>
-                  <a:prstClr val="black">
-                    <a:lumMod val="75000"/>
-                    <a:lumOff val="25000"/>
-                  </a:prstClr>
-                </a:solidFill>
-              </a:rPr>
-              <a:t>חוטים באורך 20 ס"מ כל אחד</a:t>
+              <a:t> 3 חוטים באורך 20 ס"מ כל אחד</a:t>
             </a:r>
           </a:p>
           <a:p>
@@ -9451,7 +9379,7 @@
     </p:spTree>
     <p:extLst>
       <p:ext uri="{BB962C8B-B14F-4D97-AF65-F5344CB8AC3E}">
-        <p14:creationId xmlns="" xmlns:p14="http://schemas.microsoft.com/office/powerpoint/2010/main" val="2508929371"/>
+        <p14:creationId xmlns:p14="http://schemas.microsoft.com/office/powerpoint/2010/main" xmlns="" val="2508929371"/>
       </p:ext>
     </p:extLst>
   </p:cSld>
@@ -9719,7 +9647,7 @@
   <a:extraClrSchemeLst/>
   <a:extLst>
     <a:ext uri="{05A4C25C-085E-4340-85A3-A5531E510DB2}">
-      <thm15:themeFamily xmlns="" xmlns:thm15="http://schemas.microsoft.com/office/thememl/2012/main" name="Facet" id="{C0C680CD-088A-49FC-A102-D699147F32B2}" vid="{CFBC31BA-B70F-4F30-BCAA-4F3011E16C4D}"/>
+      <thm15:themeFamily xmlns:thm15="http://schemas.microsoft.com/office/thememl/2012/main" xmlns="" name="Facet" id="{C0C680CD-088A-49FC-A102-D699147F32B2}" vid="{CFBC31BA-B70F-4F30-BCAA-4F3011E16C4D}"/>
     </a:ext>
   </a:extLst>
 </a:theme>

--- a/src/rpro_ppt3.pptx
+++ b/src/rpro_ppt3.pptx
@@ -203,7 +203,7 @@
             <a:fld id="{FDD434B5-3884-491B-9701-01188EF54E6D}" type="datetimeFigureOut">
               <a:rPr lang="he-IL" smtClean="0"/>
               <a:pPr/>
-              <a:t>י"א/אדר/תשע"ח</a:t>
+              <a:t>כ"ג/אייר/תשע"ח</a:t>
             </a:fld>
             <a:endParaRPr lang="he-IL"/>
           </a:p>
@@ -2107,7 +2107,7 @@
             <a:fld id="{48A87A34-81AB-432B-8DAE-1953F412C126}" type="datetimeFigureOut">
               <a:rPr lang="en-US" smtClean="0"/>
               <a:pPr/>
-              <a:t>2/26/2018</a:t>
+              <a:t>5/8/2018</a:t>
             </a:fld>
             <a:endParaRPr lang="en-US" dirty="0"/>
           </a:p>
@@ -2159,7 +2159,7 @@
     </p:spTree>
     <p:extLst>
       <p:ext uri="{BB962C8B-B14F-4D97-AF65-F5344CB8AC3E}">
-        <p14:creationId xmlns:p14="http://schemas.microsoft.com/office/powerpoint/2010/main" xmlns="" val="2379700270"/>
+        <p14:creationId xmlns="" xmlns:p14="http://schemas.microsoft.com/office/powerpoint/2010/main" val="2379700270"/>
       </p:ext>
     </p:extLst>
   </p:cSld>
@@ -2360,7 +2360,7 @@
             <a:fld id="{48A87A34-81AB-432B-8DAE-1953F412C126}" type="datetimeFigureOut">
               <a:rPr lang="en-US" smtClean="0"/>
               <a:pPr/>
-              <a:t>2/26/2018</a:t>
+              <a:t>5/8/2018</a:t>
             </a:fld>
             <a:endParaRPr lang="en-US" dirty="0"/>
           </a:p>
@@ -2412,7 +2412,7 @@
     </p:spTree>
     <p:extLst>
       <p:ext uri="{BB962C8B-B14F-4D97-AF65-F5344CB8AC3E}">
-        <p14:creationId xmlns:p14="http://schemas.microsoft.com/office/powerpoint/2010/main" xmlns="" val="1804991245"/>
+        <p14:creationId xmlns="" xmlns:p14="http://schemas.microsoft.com/office/powerpoint/2010/main" val="1804991245"/>
       </p:ext>
     </p:extLst>
   </p:cSld>
@@ -2676,7 +2676,7 @@
             <a:fld id="{48A87A34-81AB-432B-8DAE-1953F412C126}" type="datetimeFigureOut">
               <a:rPr lang="en-US" smtClean="0"/>
               <a:pPr/>
-              <a:t>2/26/2018</a:t>
+              <a:t>5/8/2018</a:t>
             </a:fld>
             <a:endParaRPr lang="en-US" dirty="0"/>
           </a:p>
@@ -2818,7 +2818,7 @@
     </p:spTree>
     <p:extLst>
       <p:ext uri="{BB962C8B-B14F-4D97-AF65-F5344CB8AC3E}">
-        <p14:creationId xmlns:p14="http://schemas.microsoft.com/office/powerpoint/2010/main" xmlns="" val="1473712570"/>
+        <p14:creationId xmlns="" xmlns:p14="http://schemas.microsoft.com/office/powerpoint/2010/main" val="1473712570"/>
       </p:ext>
     </p:extLst>
   </p:cSld>
@@ -3019,7 +3019,7 @@
             <a:fld id="{48A87A34-81AB-432B-8DAE-1953F412C126}" type="datetimeFigureOut">
               <a:rPr lang="en-US" smtClean="0"/>
               <a:pPr/>
-              <a:t>2/26/2018</a:t>
+              <a:t>5/8/2018</a:t>
             </a:fld>
             <a:endParaRPr lang="en-US" dirty="0"/>
           </a:p>
@@ -3071,7 +3071,7 @@
     </p:spTree>
     <p:extLst>
       <p:ext uri="{BB962C8B-B14F-4D97-AF65-F5344CB8AC3E}">
-        <p14:creationId xmlns:p14="http://schemas.microsoft.com/office/powerpoint/2010/main" xmlns="" val="2530574234"/>
+        <p14:creationId xmlns="" xmlns:p14="http://schemas.microsoft.com/office/powerpoint/2010/main" val="2530574234"/>
       </p:ext>
     </p:extLst>
   </p:cSld>
@@ -3335,7 +3335,7 @@
             <a:fld id="{48A87A34-81AB-432B-8DAE-1953F412C126}" type="datetimeFigureOut">
               <a:rPr lang="en-US" smtClean="0"/>
               <a:pPr/>
-              <a:t>2/26/2018</a:t>
+              <a:t>5/8/2018</a:t>
             </a:fld>
             <a:endParaRPr lang="en-US" dirty="0"/>
           </a:p>
@@ -3469,7 +3469,7 @@
     </p:spTree>
     <p:extLst>
       <p:ext uri="{BB962C8B-B14F-4D97-AF65-F5344CB8AC3E}">
-        <p14:creationId xmlns:p14="http://schemas.microsoft.com/office/powerpoint/2010/main" xmlns="" val="1004790222"/>
+        <p14:creationId xmlns="" xmlns:p14="http://schemas.microsoft.com/office/powerpoint/2010/main" val="1004790222"/>
       </p:ext>
     </p:extLst>
   </p:cSld>
@@ -3730,7 +3730,7 @@
             <a:fld id="{48A87A34-81AB-432B-8DAE-1953F412C126}" type="datetimeFigureOut">
               <a:rPr lang="en-US" smtClean="0"/>
               <a:pPr/>
-              <a:t>2/26/2018</a:t>
+              <a:t>5/8/2018</a:t>
             </a:fld>
             <a:endParaRPr lang="en-US" dirty="0"/>
           </a:p>
@@ -3782,7 +3782,7 @@
     </p:spTree>
     <p:extLst>
       <p:ext uri="{BB962C8B-B14F-4D97-AF65-F5344CB8AC3E}">
-        <p14:creationId xmlns:p14="http://schemas.microsoft.com/office/powerpoint/2010/main" xmlns="" val="3328784466"/>
+        <p14:creationId xmlns="" xmlns:p14="http://schemas.microsoft.com/office/powerpoint/2010/main" val="3328784466"/>
       </p:ext>
     </p:extLst>
   </p:cSld>
@@ -3902,7 +3902,7 @@
             <a:fld id="{48A87A34-81AB-432B-8DAE-1953F412C126}" type="datetimeFigureOut">
               <a:rPr lang="en-US" smtClean="0"/>
               <a:pPr/>
-              <a:t>2/26/2018</a:t>
+              <a:t>5/8/2018</a:t>
             </a:fld>
             <a:endParaRPr lang="en-US" dirty="0"/>
           </a:p>
@@ -3954,7 +3954,7 @@
     </p:spTree>
     <p:extLst>
       <p:ext uri="{BB962C8B-B14F-4D97-AF65-F5344CB8AC3E}">
-        <p14:creationId xmlns:p14="http://schemas.microsoft.com/office/powerpoint/2010/main" xmlns="" val="1447070425"/>
+        <p14:creationId xmlns="" xmlns:p14="http://schemas.microsoft.com/office/powerpoint/2010/main" val="1447070425"/>
       </p:ext>
     </p:extLst>
   </p:cSld>
@@ -4084,7 +4084,7 @@
             <a:fld id="{48A87A34-81AB-432B-8DAE-1953F412C126}" type="datetimeFigureOut">
               <a:rPr lang="en-US" smtClean="0"/>
               <a:pPr/>
-              <a:t>2/26/2018</a:t>
+              <a:t>5/8/2018</a:t>
             </a:fld>
             <a:endParaRPr lang="en-US" dirty="0"/>
           </a:p>
@@ -4136,7 +4136,7 @@
     </p:spTree>
     <p:extLst>
       <p:ext uri="{BB962C8B-B14F-4D97-AF65-F5344CB8AC3E}">
-        <p14:creationId xmlns:p14="http://schemas.microsoft.com/office/powerpoint/2010/main" xmlns="" val="3648480235"/>
+        <p14:creationId xmlns="" xmlns:p14="http://schemas.microsoft.com/office/powerpoint/2010/main" val="3648480235"/>
       </p:ext>
     </p:extLst>
   </p:cSld>
@@ -4262,7 +4262,7 @@
             <a:fld id="{48A87A34-81AB-432B-8DAE-1953F412C126}" type="datetimeFigureOut">
               <a:rPr lang="en-US" smtClean="0"/>
               <a:pPr/>
-              <a:t>2/26/2018</a:t>
+              <a:t>5/8/2018</a:t>
             </a:fld>
             <a:endParaRPr lang="en-US" dirty="0"/>
           </a:p>
@@ -4314,7 +4314,7 @@
     </p:spTree>
     <p:extLst>
       <p:ext uri="{BB962C8B-B14F-4D97-AF65-F5344CB8AC3E}">
-        <p14:creationId xmlns:p14="http://schemas.microsoft.com/office/powerpoint/2010/main" xmlns="" val="2649633687"/>
+        <p14:creationId xmlns="" xmlns:p14="http://schemas.microsoft.com/office/powerpoint/2010/main" val="2649633687"/>
       </p:ext>
     </p:extLst>
   </p:cSld>
@@ -4511,7 +4511,7 @@
             <a:fld id="{48A87A34-81AB-432B-8DAE-1953F412C126}" type="datetimeFigureOut">
               <a:rPr lang="en-US" smtClean="0"/>
               <a:pPr/>
-              <a:t>2/26/2018</a:t>
+              <a:t>5/8/2018</a:t>
             </a:fld>
             <a:endParaRPr lang="en-US" dirty="0"/>
           </a:p>
@@ -4563,7 +4563,7 @@
     </p:spTree>
     <p:extLst>
       <p:ext uri="{BB962C8B-B14F-4D97-AF65-F5344CB8AC3E}">
-        <p14:creationId xmlns:p14="http://schemas.microsoft.com/office/powerpoint/2010/main" xmlns="" val="572893903"/>
+        <p14:creationId xmlns="" xmlns:p14="http://schemas.microsoft.com/office/powerpoint/2010/main" val="572893903"/>
       </p:ext>
     </p:extLst>
   </p:cSld>
@@ -4745,7 +4745,7 @@
             <a:fld id="{48A87A34-81AB-432B-8DAE-1953F412C126}" type="datetimeFigureOut">
               <a:rPr lang="en-US" smtClean="0"/>
               <a:pPr/>
-              <a:t>2/26/2018</a:t>
+              <a:t>5/8/2018</a:t>
             </a:fld>
             <a:endParaRPr lang="en-US" dirty="0"/>
           </a:p>
@@ -4797,7 +4797,7 @@
     </p:spTree>
     <p:extLst>
       <p:ext uri="{BB962C8B-B14F-4D97-AF65-F5344CB8AC3E}">
-        <p14:creationId xmlns:p14="http://schemas.microsoft.com/office/powerpoint/2010/main" xmlns="" val="3918475607"/>
+        <p14:creationId xmlns="" xmlns:p14="http://schemas.microsoft.com/office/powerpoint/2010/main" val="3918475607"/>
       </p:ext>
     </p:extLst>
   </p:cSld>
@@ -5121,7 +5121,7 @@
             <a:fld id="{48A87A34-81AB-432B-8DAE-1953F412C126}" type="datetimeFigureOut">
               <a:rPr lang="en-US" smtClean="0"/>
               <a:pPr/>
-              <a:t>2/26/2018</a:t>
+              <a:t>5/8/2018</a:t>
             </a:fld>
             <a:endParaRPr lang="en-US" dirty="0"/>
           </a:p>
@@ -5173,7 +5173,7 @@
     </p:spTree>
     <p:extLst>
       <p:ext uri="{BB962C8B-B14F-4D97-AF65-F5344CB8AC3E}">
-        <p14:creationId xmlns:p14="http://schemas.microsoft.com/office/powerpoint/2010/main" xmlns="" val="70569158"/>
+        <p14:creationId xmlns="" xmlns:p14="http://schemas.microsoft.com/office/powerpoint/2010/main" val="70569158"/>
       </p:ext>
     </p:extLst>
   </p:cSld>
@@ -5246,7 +5246,7 @@
             <a:fld id="{48A87A34-81AB-432B-8DAE-1953F412C126}" type="datetimeFigureOut">
               <a:rPr lang="en-US" smtClean="0"/>
               <a:pPr/>
-              <a:t>2/26/2018</a:t>
+              <a:t>5/8/2018</a:t>
             </a:fld>
             <a:endParaRPr lang="en-US" dirty="0"/>
           </a:p>
@@ -5298,7 +5298,7 @@
     </p:spTree>
     <p:extLst>
       <p:ext uri="{BB962C8B-B14F-4D97-AF65-F5344CB8AC3E}">
-        <p14:creationId xmlns:p14="http://schemas.microsoft.com/office/powerpoint/2010/main" xmlns="" val="3956773614"/>
+        <p14:creationId xmlns="" xmlns:p14="http://schemas.microsoft.com/office/powerpoint/2010/main" val="3956773614"/>
       </p:ext>
     </p:extLst>
   </p:cSld>
@@ -5343,7 +5343,7 @@
             <a:fld id="{48A87A34-81AB-432B-8DAE-1953F412C126}" type="datetimeFigureOut">
               <a:rPr lang="en-US" smtClean="0"/>
               <a:pPr/>
-              <a:t>2/26/2018</a:t>
+              <a:t>5/8/2018</a:t>
             </a:fld>
             <a:endParaRPr lang="en-US" dirty="0"/>
           </a:p>
@@ -5395,7 +5395,7 @@
     </p:spTree>
     <p:extLst>
       <p:ext uri="{BB962C8B-B14F-4D97-AF65-F5344CB8AC3E}">
-        <p14:creationId xmlns:p14="http://schemas.microsoft.com/office/powerpoint/2010/main" xmlns="" val="843387325"/>
+        <p14:creationId xmlns="" xmlns:p14="http://schemas.microsoft.com/office/powerpoint/2010/main" val="843387325"/>
       </p:ext>
     </p:extLst>
   </p:cSld>
@@ -5600,7 +5600,7 @@
             <a:fld id="{48A87A34-81AB-432B-8DAE-1953F412C126}" type="datetimeFigureOut">
               <a:rPr lang="en-US" smtClean="0"/>
               <a:pPr/>
-              <a:t>2/26/2018</a:t>
+              <a:t>5/8/2018</a:t>
             </a:fld>
             <a:endParaRPr lang="en-US" dirty="0"/>
           </a:p>
@@ -5652,7 +5652,7 @@
     </p:spTree>
     <p:extLst>
       <p:ext uri="{BB962C8B-B14F-4D97-AF65-F5344CB8AC3E}">
-        <p14:creationId xmlns:p14="http://schemas.microsoft.com/office/powerpoint/2010/main" xmlns="" val="614752468"/>
+        <p14:creationId xmlns="" xmlns:p14="http://schemas.microsoft.com/office/powerpoint/2010/main" val="614752468"/>
       </p:ext>
     </p:extLst>
   </p:cSld>
@@ -5865,7 +5865,7 @@
             <a:fld id="{48A87A34-81AB-432B-8DAE-1953F412C126}" type="datetimeFigureOut">
               <a:rPr lang="en-US" smtClean="0"/>
               <a:pPr/>
-              <a:t>2/26/2018</a:t>
+              <a:t>5/8/2018</a:t>
             </a:fld>
             <a:endParaRPr lang="en-US" dirty="0"/>
           </a:p>
@@ -5917,7 +5917,7 @@
     </p:spTree>
     <p:extLst>
       <p:ext uri="{BB962C8B-B14F-4D97-AF65-F5344CB8AC3E}">
-        <p14:creationId xmlns:p14="http://schemas.microsoft.com/office/powerpoint/2010/main" xmlns="" val="2525773852"/>
+        <p14:creationId xmlns="" xmlns:p14="http://schemas.microsoft.com/office/powerpoint/2010/main" val="2525773852"/>
       </p:ext>
     </p:extLst>
   </p:cSld>
@@ -6610,7 +6610,7 @@
             <a:fld id="{48A87A34-81AB-432B-8DAE-1953F412C126}" type="datetimeFigureOut">
               <a:rPr lang="en-US" smtClean="0"/>
               <a:pPr/>
-              <a:t>2/26/2018</a:t>
+              <a:t>5/8/2018</a:t>
             </a:fld>
             <a:endParaRPr lang="en-US" dirty="0"/>
           </a:p>
@@ -6696,7 +6696,7 @@
     </p:spTree>
     <p:extLst>
       <p:ext uri="{BB962C8B-B14F-4D97-AF65-F5344CB8AC3E}">
-        <p14:creationId xmlns:p14="http://schemas.microsoft.com/office/powerpoint/2010/main" xmlns="" val="2849168193"/>
+        <p14:creationId xmlns="" xmlns:p14="http://schemas.microsoft.com/office/powerpoint/2010/main" val="2849168193"/>
       </p:ext>
     </p:extLst>
   </p:cSld>
@@ -7183,7 +7183,7 @@
     </p:spTree>
     <p:extLst>
       <p:ext uri="{BB962C8B-B14F-4D97-AF65-F5344CB8AC3E}">
-        <p14:creationId xmlns:p14="http://schemas.microsoft.com/office/powerpoint/2010/main" xmlns="" val="1597654807"/>
+        <p14:creationId xmlns="" xmlns:p14="http://schemas.microsoft.com/office/powerpoint/2010/main" val="1597654807"/>
       </p:ext>
     </p:extLst>
   </p:cSld>
@@ -7412,7 +7412,7 @@
     </p:spTree>
     <p:extLst>
       <p:ext uri="{BB962C8B-B14F-4D97-AF65-F5344CB8AC3E}">
-        <p14:creationId xmlns:p14="http://schemas.microsoft.com/office/powerpoint/2010/main" xmlns="" val="2508929371"/>
+        <p14:creationId xmlns="" xmlns:p14="http://schemas.microsoft.com/office/powerpoint/2010/main" val="2508929371"/>
       </p:ext>
     </p:extLst>
   </p:cSld>
@@ -7540,7 +7540,7 @@
     </p:spTree>
     <p:extLst>
       <p:ext uri="{BB962C8B-B14F-4D97-AF65-F5344CB8AC3E}">
-        <p14:creationId xmlns="" xmlns:p14="http://schemas.microsoft.com/office/powerpoint/2010/main" val="2508929371"/>
+        <p14:creationId xmlns:p14="http://schemas.microsoft.com/office/powerpoint/2010/main" xmlns="" val="2508929371"/>
       </p:ext>
     </p:extLst>
   </p:cSld>
@@ -7678,7 +7678,7 @@
     </p:spTree>
     <p:extLst>
       <p:ext uri="{BB962C8B-B14F-4D97-AF65-F5344CB8AC3E}">
-        <p14:creationId xmlns:p14="http://schemas.microsoft.com/office/powerpoint/2010/main" xmlns="" val="2508929371"/>
+        <p14:creationId xmlns="" xmlns:p14="http://schemas.microsoft.com/office/powerpoint/2010/main" val="2508929371"/>
       </p:ext>
     </p:extLst>
   </p:cSld>
@@ -7781,7 +7781,7 @@
     </p:spTree>
     <p:extLst>
       <p:ext uri="{BB962C8B-B14F-4D97-AF65-F5344CB8AC3E}">
-        <p14:creationId xmlns:p14="http://schemas.microsoft.com/office/powerpoint/2010/main" xmlns="" val="2508929371"/>
+        <p14:creationId xmlns="" xmlns:p14="http://schemas.microsoft.com/office/powerpoint/2010/main" val="2508929371"/>
       </p:ext>
     </p:extLst>
   </p:cSld>
@@ -7916,7 +7916,7 @@
           <a:blip r:embed="rId3" cstate="print">
             <a:extLst>
               <a:ext uri="{28A0092B-C50C-407E-A947-70E740481C1C}">
-                <a14:useLocalDpi xmlns:a14="http://schemas.microsoft.com/office/drawing/2010/main" xmlns="" val="0"/>
+                <a14:useLocalDpi xmlns="" xmlns:a14="http://schemas.microsoft.com/office/drawing/2010/main" val="0"/>
               </a:ext>
             </a:extLst>
           </a:blip>
@@ -8153,7 +8153,7 @@
     </p:spTree>
     <p:extLst>
       <p:ext uri="{BB962C8B-B14F-4D97-AF65-F5344CB8AC3E}">
-        <p14:creationId xmlns="" xmlns:p14="http://schemas.microsoft.com/office/powerpoint/2010/main" val="2508929371"/>
+        <p14:creationId xmlns:p14="http://schemas.microsoft.com/office/powerpoint/2010/main" xmlns="" val="2508929371"/>
       </p:ext>
     </p:extLst>
   </p:cSld>
@@ -8720,7 +8720,7 @@
     </p:spTree>
     <p:extLst>
       <p:ext uri="{BB962C8B-B14F-4D97-AF65-F5344CB8AC3E}">
-        <p14:creationId xmlns="" xmlns:p14="http://schemas.microsoft.com/office/powerpoint/2010/main" val="2508929371"/>
+        <p14:creationId xmlns:p14="http://schemas.microsoft.com/office/powerpoint/2010/main" xmlns="" val="2508929371"/>
       </p:ext>
     </p:extLst>
   </p:cSld>
@@ -8822,7 +8822,7 @@
           <a:blip r:embed="rId3" cstate="print">
             <a:extLst>
               <a:ext uri="{28A0092B-C50C-407E-A947-70E740481C1C}">
-                <a14:useLocalDpi xmlns="" xmlns:a14="http://schemas.microsoft.com/office/drawing/2010/main" val="0"/>
+                <a14:useLocalDpi xmlns:a14="http://schemas.microsoft.com/office/drawing/2010/main" xmlns="" val="0"/>
               </a:ext>
             </a:extLst>
           </a:blip>
@@ -8845,14 +8845,14 @@
           </a:ln>
           <a:extLst>
             <a:ext uri="{909E8E84-426E-40DD-AFC4-6F175D3DCCD1}">
-              <a14:hiddenFill xmlns="" xmlns:a14="http://schemas.microsoft.com/office/drawing/2010/main">
+              <a14:hiddenFill xmlns:a14="http://schemas.microsoft.com/office/drawing/2010/main" xmlns="">
                 <a:solidFill>
                   <a:srgbClr val="FFFFFF"/>
                 </a:solidFill>
               </a14:hiddenFill>
             </a:ext>
             <a:ext uri="{91240B29-F687-4F45-9708-019B960494DF}">
-              <a14:hiddenLine xmlns="" xmlns:a14="http://schemas.microsoft.com/office/drawing/2010/main" w="9525">
+              <a14:hiddenLine xmlns:a14="http://schemas.microsoft.com/office/drawing/2010/main" xmlns="" w="9525">
                 <a:solidFill>
                   <a:srgbClr val="000000"/>
                 </a:solidFill>
@@ -8867,7 +8867,7 @@
     </p:spTree>
     <p:extLst>
       <p:ext uri="{BB962C8B-B14F-4D97-AF65-F5344CB8AC3E}">
-        <p14:creationId xmlns:p14="http://schemas.microsoft.com/office/powerpoint/2010/main" xmlns="" val="2508929371"/>
+        <p14:creationId xmlns="" xmlns:p14="http://schemas.microsoft.com/office/powerpoint/2010/main" val="2508929371"/>
       </p:ext>
     </p:extLst>
   </p:cSld>
@@ -8990,7 +8990,7 @@
     </p:spTree>
     <p:extLst>
       <p:ext uri="{BB962C8B-B14F-4D97-AF65-F5344CB8AC3E}">
-        <p14:creationId xmlns:p14="http://schemas.microsoft.com/office/powerpoint/2010/main" xmlns="" val="2508929371"/>
+        <p14:creationId xmlns="" xmlns:p14="http://schemas.microsoft.com/office/powerpoint/2010/main" val="2508929371"/>
       </p:ext>
     </p:extLst>
   </p:cSld>
@@ -9135,7 +9135,7 @@
     </p:spTree>
     <p:extLst>
       <p:ext uri="{BB962C8B-B14F-4D97-AF65-F5344CB8AC3E}">
-        <p14:creationId xmlns:p14="http://schemas.microsoft.com/office/powerpoint/2010/main" xmlns="" val="2508929371"/>
+        <p14:creationId xmlns="" xmlns:p14="http://schemas.microsoft.com/office/powerpoint/2010/main" val="2508929371"/>
       </p:ext>
     </p:extLst>
   </p:cSld>
@@ -9379,7 +9379,7 @@
     </p:spTree>
     <p:extLst>
       <p:ext uri="{BB962C8B-B14F-4D97-AF65-F5344CB8AC3E}">
-        <p14:creationId xmlns:p14="http://schemas.microsoft.com/office/powerpoint/2010/main" xmlns="" val="2508929371"/>
+        <p14:creationId xmlns="" xmlns:p14="http://schemas.microsoft.com/office/powerpoint/2010/main" val="2508929371"/>
       </p:ext>
     </p:extLst>
   </p:cSld>
@@ -9647,7 +9647,7 @@
   <a:extraClrSchemeLst/>
   <a:extLst>
     <a:ext uri="{05A4C25C-085E-4340-85A3-A5531E510DB2}">
-      <thm15:themeFamily xmlns:thm15="http://schemas.microsoft.com/office/thememl/2012/main" xmlns="" name="Facet" id="{C0C680CD-088A-49FC-A102-D699147F32B2}" vid="{CFBC31BA-B70F-4F30-BCAA-4F3011E16C4D}"/>
+      <thm15:themeFamily xmlns="" xmlns:thm15="http://schemas.microsoft.com/office/thememl/2012/main" name="Facet" id="{C0C680CD-088A-49FC-A102-D699147F32B2}" vid="{CFBC31BA-B70F-4F30-BCAA-4F3011E16C4D}"/>
     </a:ext>
   </a:extLst>
 </a:theme>
